--- a/Topic C Computers And Society/C.1 Lesson - Simon Game.pptx
+++ b/Topic C Computers And Society/C.1 Lesson - Simon Game.pptx
@@ -9,6 +9,11 @@
     <p:sldId id="266" r:id="rId3"/>
     <p:sldId id="269" r:id="rId4"/>
     <p:sldId id="267" r:id="rId5"/>
+    <p:sldId id="270" r:id="rId6"/>
+    <p:sldId id="271" r:id="rId7"/>
+    <p:sldId id="272" r:id="rId8"/>
+    <p:sldId id="273" r:id="rId9"/>
+    <p:sldId id="274" r:id="rId10"/>
   </p:sldIdLst>
   <p:sldSz cx="9144000" cy="6858000" type="screen4x3"/>
   <p:notesSz cx="6858000" cy="9144000"/>
@@ -107,6 +112,22 @@
       </a:defRPr>
     </a:lvl9pPr>
   </p:defaultTextStyle>
+  <p:extLst>
+    <p:ext uri="{EFAFB233-063F-42B5-8137-9DF3F51BA10A}">
+      <p15:sldGuideLst xmlns:p15="http://schemas.microsoft.com/office/powerpoint/2012/main">
+        <p15:guide id="1" orient="horz" pos="2160">
+          <p15:clr>
+            <a:srgbClr val="A4A3A4"/>
+          </p15:clr>
+        </p15:guide>
+        <p15:guide id="2" pos="2880">
+          <p15:clr>
+            <a:srgbClr val="A4A3A4"/>
+          </p15:clr>
+        </p15:guide>
+      </p15:sldGuideLst>
+    </p:ext>
+  </p:extLst>
 </p:presentation>
 </file>
 
@@ -292,7 +313,7 @@
             <a:fld id="{1D8BD707-D9CF-40AE-B4C6-C98DA3205C09}" type="datetimeFigureOut">
               <a:rPr lang="en-US" smtClean="0"/>
               <a:pPr/>
-              <a:t>8/31/2019</a:t>
+              <a:t>9/4/2019</a:t>
             </a:fld>
             <a:endParaRPr lang="en-US"/>
           </a:p>
@@ -459,7 +480,7 @@
             <a:fld id="{1D8BD707-D9CF-40AE-B4C6-C98DA3205C09}" type="datetimeFigureOut">
               <a:rPr lang="en-US" smtClean="0"/>
               <a:pPr/>
-              <a:t>8/31/2019</a:t>
+              <a:t>9/4/2019</a:t>
             </a:fld>
             <a:endParaRPr lang="en-US"/>
           </a:p>
@@ -636,7 +657,7 @@
             <a:fld id="{1D8BD707-D9CF-40AE-B4C6-C98DA3205C09}" type="datetimeFigureOut">
               <a:rPr lang="en-US" smtClean="0"/>
               <a:pPr/>
-              <a:t>8/31/2019</a:t>
+              <a:t>9/4/2019</a:t>
             </a:fld>
             <a:endParaRPr lang="en-US"/>
           </a:p>
@@ -803,7 +824,7 @@
             <a:fld id="{1D8BD707-D9CF-40AE-B4C6-C98DA3205C09}" type="datetimeFigureOut">
               <a:rPr lang="en-US" smtClean="0"/>
               <a:pPr/>
-              <a:t>8/31/2019</a:t>
+              <a:t>9/4/2019</a:t>
             </a:fld>
             <a:endParaRPr lang="en-US"/>
           </a:p>
@@ -1046,7 +1067,7 @@
             <a:fld id="{1D8BD707-D9CF-40AE-B4C6-C98DA3205C09}" type="datetimeFigureOut">
               <a:rPr lang="en-US" smtClean="0"/>
               <a:pPr/>
-              <a:t>8/31/2019</a:t>
+              <a:t>9/4/2019</a:t>
             </a:fld>
             <a:endParaRPr lang="en-US"/>
           </a:p>
@@ -1331,7 +1352,7 @@
             <a:fld id="{1D8BD707-D9CF-40AE-B4C6-C98DA3205C09}" type="datetimeFigureOut">
               <a:rPr lang="en-US" smtClean="0"/>
               <a:pPr/>
-              <a:t>8/31/2019</a:t>
+              <a:t>9/4/2019</a:t>
             </a:fld>
             <a:endParaRPr lang="en-US"/>
           </a:p>
@@ -1750,7 +1771,7 @@
             <a:fld id="{1D8BD707-D9CF-40AE-B4C6-C98DA3205C09}" type="datetimeFigureOut">
               <a:rPr lang="en-US" smtClean="0"/>
               <a:pPr/>
-              <a:t>8/31/2019</a:t>
+              <a:t>9/4/2019</a:t>
             </a:fld>
             <a:endParaRPr lang="en-US"/>
           </a:p>
@@ -1865,7 +1886,7 @@
             <a:fld id="{1D8BD707-D9CF-40AE-B4C6-C98DA3205C09}" type="datetimeFigureOut">
               <a:rPr lang="en-US" smtClean="0"/>
               <a:pPr/>
-              <a:t>8/31/2019</a:t>
+              <a:t>9/4/2019</a:t>
             </a:fld>
             <a:endParaRPr lang="en-US"/>
           </a:p>
@@ -1957,7 +1978,7 @@
             <a:fld id="{1D8BD707-D9CF-40AE-B4C6-C98DA3205C09}" type="datetimeFigureOut">
               <a:rPr lang="en-US" smtClean="0"/>
               <a:pPr/>
-              <a:t>8/31/2019</a:t>
+              <a:t>9/4/2019</a:t>
             </a:fld>
             <a:endParaRPr lang="en-US"/>
           </a:p>
@@ -2231,7 +2252,7 @@
             <a:fld id="{1D8BD707-D9CF-40AE-B4C6-C98DA3205C09}" type="datetimeFigureOut">
               <a:rPr lang="en-US" smtClean="0"/>
               <a:pPr/>
-              <a:t>8/31/2019</a:t>
+              <a:t>9/4/2019</a:t>
             </a:fld>
             <a:endParaRPr lang="en-US"/>
           </a:p>
@@ -2481,7 +2502,7 @@
             <a:fld id="{1D8BD707-D9CF-40AE-B4C6-C98DA3205C09}" type="datetimeFigureOut">
               <a:rPr lang="en-US" smtClean="0"/>
               <a:pPr/>
-              <a:t>8/31/2019</a:t>
+              <a:t>9/4/2019</a:t>
             </a:fld>
             <a:endParaRPr lang="en-US"/>
           </a:p>
@@ -2691,7 +2712,7 @@
             <a:fld id="{1D8BD707-D9CF-40AE-B4C6-C98DA3205C09}" type="datetimeFigureOut">
               <a:rPr lang="en-US" smtClean="0"/>
               <a:pPr/>
-              <a:t>8/31/2019</a:t>
+              <a:t>9/4/2019</a:t>
             </a:fld>
             <a:endParaRPr lang="en-US"/>
           </a:p>
@@ -3102,11 +3123,7 @@
           <a:p>
             <a:r>
               <a:rPr lang="en-US" dirty="0" smtClean="0"/>
-              <a:t>Module </a:t>
-            </a:r>
-            <a:r>
-              <a:rPr lang="en-US" dirty="0" smtClean="0"/>
-              <a:t>C.1</a:t>
+              <a:t>Module C.1</a:t>
             </a:r>
             <a:endParaRPr lang="en-US" dirty="0"/>
           </a:p>
@@ -3179,15 +3196,7 @@
           <a:p>
             <a:r>
               <a:rPr lang="en-US" sz="2000" dirty="0" smtClean="0"/>
-              <a:t>Invented in 1978 by </a:t>
-            </a:r>
-            <a:r>
-              <a:rPr lang="en-US" sz="2000" dirty="0" smtClean="0"/>
-              <a:t>Ralph Baer </a:t>
-            </a:r>
-            <a:r>
-              <a:rPr lang="en-US" sz="2000" dirty="0" smtClean="0"/>
-              <a:t>(working for Milton Bradley / Hasbro Inc.)</a:t>
+              <a:t>Invented in 1978 by Ralph Baer (working for Milton Bradley / Hasbro Inc.)</a:t>
             </a:r>
           </a:p>
           <a:p>
@@ -3248,7 +3257,7 @@
           <a:blip r:embed="rId2" cstate="print">
             <a:extLst>
               <a:ext uri="{28A0092B-C50C-407E-A947-70E740481C1C}">
-                <a14:useLocalDpi xmlns:a14="http://schemas.microsoft.com/office/drawing/2010/main" xmlns="" val="0"/>
+                <a14:useLocalDpi xmlns:a14="http://schemas.microsoft.com/office/drawing/2010/main" val="0"/>
               </a:ext>
             </a:extLst>
           </a:blip>
@@ -3268,7 +3277,7 @@
           <a:noFill/>
           <a:extLst>
             <a:ext uri="{909E8E84-426E-40DD-AFC4-6F175D3DCCD1}">
-              <a14:hiddenFill xmlns:a14="http://schemas.microsoft.com/office/drawing/2010/main" xmlns="">
+              <a14:hiddenFill xmlns:a14="http://schemas.microsoft.com/office/drawing/2010/main">
                 <a:solidFill>
                   <a:srgbClr val="FFFFFF"/>
                 </a:solidFill>
@@ -3517,7 +3526,7 @@
           <a:blip r:embed="rId2" cstate="print">
             <a:extLst>
               <a:ext uri="{28A0092B-C50C-407E-A947-70E740481C1C}">
-                <a14:useLocalDpi xmlns:a14="http://schemas.microsoft.com/office/drawing/2010/main" xmlns="" val="0"/>
+                <a14:useLocalDpi xmlns:a14="http://schemas.microsoft.com/office/drawing/2010/main" val="0"/>
               </a:ext>
             </a:extLst>
           </a:blip>
@@ -3537,7 +3546,7 @@
           <a:noFill/>
           <a:extLst>
             <a:ext uri="{909E8E84-426E-40DD-AFC4-6F175D3DCCD1}">
-              <a14:hiddenFill xmlns:a14="http://schemas.microsoft.com/office/drawing/2010/main" xmlns="">
+              <a14:hiddenFill xmlns:a14="http://schemas.microsoft.com/office/drawing/2010/main">
                 <a:solidFill>
                   <a:srgbClr val="FFFFFF"/>
                 </a:solidFill>
@@ -3685,6 +3694,1804 @@
   <p:clrMapOvr>
     <a:masterClrMapping/>
   </p:clrMapOvr>
+</p:sld>
+</file>
+
+<file path=ppt/slides/slide5.xml><?xml version="1.0" encoding="utf-8"?>
+<p:sld xmlns:a="http://schemas.openxmlformats.org/drawingml/2006/main" xmlns:r="http://schemas.openxmlformats.org/officeDocument/2006/relationships" xmlns:p="http://schemas.openxmlformats.org/presentationml/2006/main">
+  <p:cSld>
+    <p:spTree>
+      <p:nvGrpSpPr>
+        <p:cNvPr id="1" name=""/>
+        <p:cNvGrpSpPr/>
+        <p:nvPr/>
+      </p:nvGrpSpPr>
+      <p:grpSpPr>
+        <a:xfrm>
+          <a:off x="0" y="0"/>
+          <a:ext cx="0" cy="0"/>
+          <a:chOff x="0" y="0"/>
+          <a:chExt cx="0" cy="0"/>
+        </a:xfrm>
+      </p:grpSpPr>
+      <p:sp>
+        <p:nvSpPr>
+          <p:cNvPr id="4" name="Title 3"/>
+          <p:cNvSpPr>
+            <a:spLocks noGrp="1"/>
+          </p:cNvSpPr>
+          <p:nvPr>
+            <p:ph type="title"/>
+          </p:nvPr>
+        </p:nvSpPr>
+        <p:spPr/>
+        <p:txBody>
+          <a:bodyPr/>
+          <a:lstStyle/>
+          <a:p>
+            <a:r>
+              <a:rPr lang="en-CA" dirty="0" smtClean="0"/>
+              <a:t>Simon vs. Light Switch</a:t>
+            </a:r>
+            <a:endParaRPr lang="en-US" dirty="0"/>
+          </a:p>
+        </p:txBody>
+      </p:sp>
+      <p:sp>
+        <p:nvSpPr>
+          <p:cNvPr id="5" name="Text Placeholder 4"/>
+          <p:cNvSpPr>
+            <a:spLocks noGrp="1"/>
+          </p:cNvSpPr>
+          <p:nvPr>
+            <p:ph type="body" idx="1"/>
+          </p:nvPr>
+        </p:nvSpPr>
+        <p:spPr/>
+        <p:txBody>
+          <a:bodyPr/>
+          <a:lstStyle/>
+          <a:p>
+            <a:endParaRPr lang="en-US"/>
+          </a:p>
+        </p:txBody>
+      </p:sp>
+      <p:pic>
+        <p:nvPicPr>
+          <p:cNvPr id="6" name="Picture 12" descr="Image result for circuit diagram">
+            <a:extLst>
+              <a:ext uri="{FF2B5EF4-FFF2-40B4-BE49-F238E27FC236}">
+                <a16:creationId xmlns:a16="http://schemas.microsoft.com/office/drawing/2014/main" id="{9E9CC4BB-BD1C-4535-855D-9E0FAC42DACF}"/>
+              </a:ext>
+            </a:extLst>
+          </p:cNvPr>
+          <p:cNvPicPr>
+            <a:picLocks noChangeAspect="1" noChangeArrowheads="1"/>
+          </p:cNvPicPr>
+          <p:nvPr/>
+        </p:nvPicPr>
+        <p:blipFill>
+          <a:blip r:embed="rId2">
+            <a:extLst>
+              <a:ext uri="{28A0092B-C50C-407E-A947-70E740481C1C}">
+                <a14:useLocalDpi xmlns:a14="http://schemas.microsoft.com/office/drawing/2010/main" val="0"/>
+              </a:ext>
+            </a:extLst>
+          </a:blip>
+          <a:srcRect/>
+          <a:stretch>
+            <a:fillRect/>
+          </a:stretch>
+        </p:blipFill>
+        <p:spPr bwMode="auto">
+          <a:xfrm>
+            <a:off x="1524000" y="685800"/>
+            <a:ext cx="3261478" cy="1676400"/>
+          </a:xfrm>
+          <a:prstGeom prst="rect">
+            <a:avLst/>
+          </a:prstGeom>
+          <a:noFill/>
+          <a:extLst>
+            <a:ext uri="{909E8E84-426E-40DD-AFC4-6F175D3DCCD1}">
+              <a14:hiddenFill xmlns:a14="http://schemas.microsoft.com/office/drawing/2010/main">
+                <a:solidFill>
+                  <a:srgbClr val="FFFFFF"/>
+                </a:solidFill>
+              </a14:hiddenFill>
+            </a:ext>
+          </a:extLst>
+        </p:spPr>
+      </p:pic>
+      <p:pic>
+        <p:nvPicPr>
+          <p:cNvPr id="7" name="Picture 8" descr="Image result for lightbulb">
+            <a:extLst>
+              <a:ext uri="{FF2B5EF4-FFF2-40B4-BE49-F238E27FC236}">
+                <a16:creationId xmlns:a16="http://schemas.microsoft.com/office/drawing/2014/main" id="{F0F3048B-09E9-4D6E-85C9-193FCD23B733}"/>
+              </a:ext>
+            </a:extLst>
+          </p:cNvPr>
+          <p:cNvPicPr>
+            <a:picLocks noChangeAspect="1" noChangeArrowheads="1"/>
+          </p:cNvPicPr>
+          <p:nvPr/>
+        </p:nvPicPr>
+        <p:blipFill>
+          <a:blip r:embed="rId3">
+            <a:extLst>
+              <a:ext uri="{28A0092B-C50C-407E-A947-70E740481C1C}">
+                <a14:useLocalDpi xmlns:a14="http://schemas.microsoft.com/office/drawing/2010/main" val="0"/>
+              </a:ext>
+            </a:extLst>
+          </a:blip>
+          <a:srcRect/>
+          <a:stretch>
+            <a:fillRect/>
+          </a:stretch>
+        </p:blipFill>
+        <p:spPr bwMode="auto">
+          <a:xfrm rot="592059">
+            <a:off x="6211993" y="829398"/>
+            <a:ext cx="1164533" cy="1454219"/>
+          </a:xfrm>
+          <a:prstGeom prst="rect">
+            <a:avLst/>
+          </a:prstGeom>
+          <a:noFill/>
+          <a:extLst>
+            <a:ext uri="{909E8E84-426E-40DD-AFC4-6F175D3DCCD1}">
+              <a14:hiddenFill xmlns:a14="http://schemas.microsoft.com/office/drawing/2010/main">
+                <a:solidFill>
+                  <a:srgbClr val="FFFFFF"/>
+                </a:solidFill>
+              </a14:hiddenFill>
+            </a:ext>
+          </a:extLst>
+        </p:spPr>
+      </p:pic>
+    </p:spTree>
+    <p:extLst>
+      <p:ext uri="{BB962C8B-B14F-4D97-AF65-F5344CB8AC3E}">
+        <p14:creationId xmlns:p14="http://schemas.microsoft.com/office/powerpoint/2010/main" val="2673291570"/>
+      </p:ext>
+    </p:extLst>
+  </p:cSld>
+  <p:clrMapOvr>
+    <a:masterClrMapping/>
+  </p:clrMapOvr>
+</p:sld>
+</file>
+
+<file path=ppt/slides/slide6.xml><?xml version="1.0" encoding="utf-8"?>
+<p:sld xmlns:a="http://schemas.openxmlformats.org/drawingml/2006/main" xmlns:r="http://schemas.openxmlformats.org/officeDocument/2006/relationships" xmlns:p="http://schemas.openxmlformats.org/presentationml/2006/main">
+  <p:cSld>
+    <p:spTree>
+      <p:nvGrpSpPr>
+        <p:cNvPr id="1" name=""/>
+        <p:cNvGrpSpPr/>
+        <p:nvPr/>
+      </p:nvGrpSpPr>
+      <p:grpSpPr>
+        <a:xfrm>
+          <a:off x="0" y="0"/>
+          <a:ext cx="0" cy="0"/>
+          <a:chOff x="0" y="0"/>
+          <a:chExt cx="0" cy="0"/>
+        </a:xfrm>
+      </p:grpSpPr>
+      <p:sp>
+        <p:nvSpPr>
+          <p:cNvPr id="4" name="Title 3">
+            <a:extLst>
+              <a:ext uri="{FF2B5EF4-FFF2-40B4-BE49-F238E27FC236}">
+                <a16:creationId xmlns:a16="http://schemas.microsoft.com/office/drawing/2014/main" id="{C0FD9731-439C-4808-81DB-ADBCCAB3B2D8}"/>
+              </a:ext>
+            </a:extLst>
+          </p:cNvPr>
+          <p:cNvSpPr>
+            <a:spLocks noGrp="1"/>
+          </p:cNvSpPr>
+          <p:nvPr>
+            <p:ph type="title"/>
+          </p:nvPr>
+        </p:nvSpPr>
+        <p:spPr/>
+        <p:txBody>
+          <a:bodyPr/>
+          <a:lstStyle/>
+          <a:p>
+            <a:r>
+              <a:rPr lang="en-US" dirty="0"/>
+              <a:t>A Light Switch</a:t>
+            </a:r>
+          </a:p>
+        </p:txBody>
+      </p:sp>
+      <p:cxnSp>
+        <p:nvCxnSpPr>
+          <p:cNvPr id="6" name="Straight Connector 5">
+            <a:extLst>
+              <a:ext uri="{FF2B5EF4-FFF2-40B4-BE49-F238E27FC236}">
+                <a16:creationId xmlns:a16="http://schemas.microsoft.com/office/drawing/2014/main" id="{CBA010C4-6B69-4329-B6FB-AA995CE5B78F}"/>
+              </a:ext>
+            </a:extLst>
+          </p:cNvPr>
+          <p:cNvCxnSpPr>
+            <a:cxnSpLocks/>
+          </p:cNvCxnSpPr>
+          <p:nvPr/>
+        </p:nvCxnSpPr>
+        <p:spPr>
+          <a:xfrm>
+            <a:off x="2854036" y="2284269"/>
+            <a:ext cx="0" cy="2424545"/>
+          </a:xfrm>
+          <a:prstGeom prst="line">
+            <a:avLst/>
+          </a:prstGeom>
+          <a:ln w="57150">
+            <a:prstDash val="sysDot"/>
+          </a:ln>
+        </p:spPr>
+        <p:style>
+          <a:lnRef idx="1">
+            <a:schemeClr val="accent1"/>
+          </a:lnRef>
+          <a:fillRef idx="0">
+            <a:schemeClr val="accent1"/>
+          </a:fillRef>
+          <a:effectRef idx="0">
+            <a:schemeClr val="accent1"/>
+          </a:effectRef>
+          <a:fontRef idx="minor">
+            <a:schemeClr val="tx1"/>
+          </a:fontRef>
+        </p:style>
+      </p:cxnSp>
+      <p:cxnSp>
+        <p:nvCxnSpPr>
+          <p:cNvPr id="9" name="Straight Connector 8">
+            <a:extLst>
+              <a:ext uri="{FF2B5EF4-FFF2-40B4-BE49-F238E27FC236}">
+                <a16:creationId xmlns:a16="http://schemas.microsoft.com/office/drawing/2014/main" id="{3A8A674D-3B1F-4F98-87F0-8435CBEF2ED6}"/>
+              </a:ext>
+            </a:extLst>
+          </p:cNvPr>
+          <p:cNvCxnSpPr>
+            <a:cxnSpLocks/>
+          </p:cNvCxnSpPr>
+          <p:nvPr/>
+        </p:nvCxnSpPr>
+        <p:spPr>
+          <a:xfrm>
+            <a:off x="5863936" y="2284269"/>
+            <a:ext cx="0" cy="2424545"/>
+          </a:xfrm>
+          <a:prstGeom prst="line">
+            <a:avLst/>
+          </a:prstGeom>
+          <a:ln w="57150">
+            <a:prstDash val="sysDot"/>
+          </a:ln>
+        </p:spPr>
+        <p:style>
+          <a:lnRef idx="1">
+            <a:schemeClr val="accent1"/>
+          </a:lnRef>
+          <a:fillRef idx="0">
+            <a:schemeClr val="accent1"/>
+          </a:fillRef>
+          <a:effectRef idx="0">
+            <a:schemeClr val="accent1"/>
+          </a:effectRef>
+          <a:fontRef idx="minor">
+            <a:schemeClr val="tx1"/>
+          </a:fontRef>
+        </p:style>
+      </p:cxnSp>
+      <p:sp>
+        <p:nvSpPr>
+          <p:cNvPr id="10" name="TextBox 9">
+            <a:extLst>
+              <a:ext uri="{FF2B5EF4-FFF2-40B4-BE49-F238E27FC236}">
+                <a16:creationId xmlns:a16="http://schemas.microsoft.com/office/drawing/2014/main" id="{B660A6D6-58DA-43AB-9411-D5B4CE33A6BC}"/>
+              </a:ext>
+            </a:extLst>
+          </p:cNvPr>
+          <p:cNvSpPr txBox="1"/>
+          <p:nvPr/>
+        </p:nvSpPr>
+        <p:spPr>
+          <a:xfrm>
+            <a:off x="1052946" y="2284268"/>
+            <a:ext cx="1132041" cy="300082"/>
+          </a:xfrm>
+          <a:prstGeom prst="rect">
+            <a:avLst/>
+          </a:prstGeom>
+          <a:noFill/>
+        </p:spPr>
+        <p:txBody>
+          <a:bodyPr wrap="none" rtlCol="0">
+            <a:spAutoFit/>
+          </a:bodyPr>
+          <a:lstStyle/>
+          <a:p>
+            <a:r>
+              <a:rPr lang="en-US" sz="1350" dirty="0">
+                <a:solidFill>
+                  <a:srgbClr val="0070C0"/>
+                </a:solidFill>
+              </a:rPr>
+              <a:t>Input Objects</a:t>
+            </a:r>
+          </a:p>
+        </p:txBody>
+      </p:sp>
+      <p:sp>
+        <p:nvSpPr>
+          <p:cNvPr id="11" name="TextBox 10">
+            <a:extLst>
+              <a:ext uri="{FF2B5EF4-FFF2-40B4-BE49-F238E27FC236}">
+                <a16:creationId xmlns:a16="http://schemas.microsoft.com/office/drawing/2014/main" id="{43F727B1-9861-4A2D-863C-B9D822F89D7B}"/>
+              </a:ext>
+            </a:extLst>
+          </p:cNvPr>
+          <p:cNvSpPr txBox="1"/>
+          <p:nvPr/>
+        </p:nvSpPr>
+        <p:spPr>
+          <a:xfrm>
+            <a:off x="3668364" y="2284268"/>
+            <a:ext cx="1427378" cy="300082"/>
+          </a:xfrm>
+          <a:prstGeom prst="rect">
+            <a:avLst/>
+          </a:prstGeom>
+          <a:noFill/>
+        </p:spPr>
+        <p:txBody>
+          <a:bodyPr wrap="none" rtlCol="0">
+            <a:spAutoFit/>
+          </a:bodyPr>
+          <a:lstStyle/>
+          <a:p>
+            <a:r>
+              <a:rPr lang="en-US" sz="1350" dirty="0">
+                <a:solidFill>
+                  <a:srgbClr val="0070C0"/>
+                </a:solidFill>
+              </a:rPr>
+              <a:t>Processes &amp; Logic</a:t>
+            </a:r>
+          </a:p>
+        </p:txBody>
+      </p:sp>
+      <p:sp>
+        <p:nvSpPr>
+          <p:cNvPr id="12" name="TextBox 11">
+            <a:extLst>
+              <a:ext uri="{FF2B5EF4-FFF2-40B4-BE49-F238E27FC236}">
+                <a16:creationId xmlns:a16="http://schemas.microsoft.com/office/drawing/2014/main" id="{70C575F0-6BF8-4397-A222-775943AA3400}"/>
+              </a:ext>
+            </a:extLst>
+          </p:cNvPr>
+          <p:cNvSpPr txBox="1"/>
+          <p:nvPr/>
+        </p:nvSpPr>
+        <p:spPr>
+          <a:xfrm>
+            <a:off x="6699510" y="2332342"/>
+            <a:ext cx="1261884" cy="300082"/>
+          </a:xfrm>
+          <a:prstGeom prst="rect">
+            <a:avLst/>
+          </a:prstGeom>
+          <a:noFill/>
+        </p:spPr>
+        <p:txBody>
+          <a:bodyPr wrap="none" rtlCol="0">
+            <a:spAutoFit/>
+          </a:bodyPr>
+          <a:lstStyle/>
+          <a:p>
+            <a:r>
+              <a:rPr lang="en-US" sz="1350" dirty="0">
+                <a:solidFill>
+                  <a:srgbClr val="0070C0"/>
+                </a:solidFill>
+              </a:rPr>
+              <a:t>Output Objects</a:t>
+            </a:r>
+          </a:p>
+        </p:txBody>
+      </p:sp>
+      <p:sp>
+        <p:nvSpPr>
+          <p:cNvPr id="13" name="TextBox 12">
+            <a:extLst>
+              <a:ext uri="{FF2B5EF4-FFF2-40B4-BE49-F238E27FC236}">
+                <a16:creationId xmlns:a16="http://schemas.microsoft.com/office/drawing/2014/main" id="{C8E4F705-FC97-4FD2-AB6A-C57AD6AFC181}"/>
+              </a:ext>
+            </a:extLst>
+          </p:cNvPr>
+          <p:cNvSpPr txBox="1"/>
+          <p:nvPr/>
+        </p:nvSpPr>
+        <p:spPr>
+          <a:xfrm>
+            <a:off x="2507156" y="5041323"/>
+            <a:ext cx="3748590" cy="553998"/>
+          </a:xfrm>
+          <a:prstGeom prst="rect">
+            <a:avLst/>
+          </a:prstGeom>
+          <a:noFill/>
+        </p:spPr>
+        <p:txBody>
+          <a:bodyPr wrap="none" rtlCol="0">
+            <a:spAutoFit/>
+          </a:bodyPr>
+          <a:lstStyle/>
+          <a:p>
+            <a:r>
+              <a:rPr lang="en-US" sz="1500" dirty="0">
+                <a:solidFill>
+                  <a:srgbClr val="FF0000"/>
+                </a:solidFill>
+              </a:rPr>
+              <a:t>What happens when you flip the light switch?</a:t>
+            </a:r>
+          </a:p>
+          <a:p>
+            <a:pPr marL="557213" lvl="1" indent="-214313">
+              <a:buFont typeface="Arial" panose="020B0604020202020204" pitchFamily="34" charset="0"/>
+              <a:buChar char="•"/>
+            </a:pPr>
+            <a:r>
+              <a:rPr lang="en-US" sz="1500" dirty="0">
+                <a:solidFill>
+                  <a:srgbClr val="FF0000"/>
+                </a:solidFill>
+              </a:rPr>
+              <a:t>What different things could happen?</a:t>
+            </a:r>
+          </a:p>
+        </p:txBody>
+      </p:sp>
+      <p:pic>
+        <p:nvPicPr>
+          <p:cNvPr id="1032" name="Picture 8" descr="Image result for lightbulb">
+            <a:extLst>
+              <a:ext uri="{FF2B5EF4-FFF2-40B4-BE49-F238E27FC236}">
+                <a16:creationId xmlns:a16="http://schemas.microsoft.com/office/drawing/2014/main" id="{F0F3048B-09E9-4D6E-85C9-193FCD23B733}"/>
+              </a:ext>
+            </a:extLst>
+          </p:cNvPr>
+          <p:cNvPicPr>
+            <a:picLocks noChangeAspect="1" noChangeArrowheads="1"/>
+          </p:cNvPicPr>
+          <p:nvPr/>
+        </p:nvPicPr>
+        <p:blipFill>
+          <a:blip r:embed="rId2">
+            <a:extLst>
+              <a:ext uri="{28A0092B-C50C-407E-A947-70E740481C1C}">
+                <a14:useLocalDpi xmlns:a14="http://schemas.microsoft.com/office/drawing/2010/main" val="0"/>
+              </a:ext>
+            </a:extLst>
+          </a:blip>
+          <a:srcRect/>
+          <a:stretch>
+            <a:fillRect/>
+          </a:stretch>
+        </p:blipFill>
+        <p:spPr bwMode="auto">
+          <a:xfrm rot="592059">
+            <a:off x="6818017" y="2773258"/>
+            <a:ext cx="1164533" cy="1454219"/>
+          </a:xfrm>
+          <a:prstGeom prst="rect">
+            <a:avLst/>
+          </a:prstGeom>
+          <a:noFill/>
+          <a:extLst>
+            <a:ext uri="{909E8E84-426E-40DD-AFC4-6F175D3DCCD1}">
+              <a14:hiddenFill xmlns:a14="http://schemas.microsoft.com/office/drawing/2010/main">
+                <a:solidFill>
+                  <a:srgbClr val="FFFFFF"/>
+                </a:solidFill>
+              </a14:hiddenFill>
+            </a:ext>
+          </a:extLst>
+        </p:spPr>
+      </p:pic>
+      <p:pic>
+        <p:nvPicPr>
+          <p:cNvPr id="1034" name="Picture 10" descr="Image result for light switch">
+            <a:extLst>
+              <a:ext uri="{FF2B5EF4-FFF2-40B4-BE49-F238E27FC236}">
+                <a16:creationId xmlns:a16="http://schemas.microsoft.com/office/drawing/2014/main" id="{9EF04ED2-BDB0-4A0E-83AA-4101D12311A6}"/>
+              </a:ext>
+            </a:extLst>
+          </p:cNvPr>
+          <p:cNvPicPr>
+            <a:picLocks noChangeAspect="1" noChangeArrowheads="1"/>
+          </p:cNvPicPr>
+          <p:nvPr/>
+        </p:nvPicPr>
+        <p:blipFill>
+          <a:blip r:embed="rId3" cstate="print">
+            <a:extLst>
+              <a:ext uri="{28A0092B-C50C-407E-A947-70E740481C1C}">
+                <a14:useLocalDpi xmlns:a14="http://schemas.microsoft.com/office/drawing/2010/main" val="0"/>
+              </a:ext>
+            </a:extLst>
+          </a:blip>
+          <a:srcRect/>
+          <a:stretch>
+            <a:fillRect/>
+          </a:stretch>
+        </p:blipFill>
+        <p:spPr bwMode="auto">
+          <a:xfrm>
+            <a:off x="805909" y="2684230"/>
+            <a:ext cx="1578745" cy="1979901"/>
+          </a:xfrm>
+          <a:prstGeom prst="rect">
+            <a:avLst/>
+          </a:prstGeom>
+          <a:noFill/>
+          <a:extLst>
+            <a:ext uri="{909E8E84-426E-40DD-AFC4-6F175D3DCCD1}">
+              <a14:hiddenFill xmlns:a14="http://schemas.microsoft.com/office/drawing/2010/main">
+                <a:solidFill>
+                  <a:srgbClr val="FFFFFF"/>
+                </a:solidFill>
+              </a14:hiddenFill>
+            </a:ext>
+          </a:extLst>
+        </p:spPr>
+      </p:pic>
+      <p:pic>
+        <p:nvPicPr>
+          <p:cNvPr id="1036" name="Picture 12" descr="Image result for circuit diagram">
+            <a:extLst>
+              <a:ext uri="{FF2B5EF4-FFF2-40B4-BE49-F238E27FC236}">
+                <a16:creationId xmlns:a16="http://schemas.microsoft.com/office/drawing/2014/main" id="{9E9CC4BB-BD1C-4535-855D-9E0FAC42DACF}"/>
+              </a:ext>
+            </a:extLst>
+          </p:cNvPr>
+          <p:cNvPicPr>
+            <a:picLocks noChangeAspect="1" noChangeArrowheads="1"/>
+          </p:cNvPicPr>
+          <p:nvPr/>
+        </p:nvPicPr>
+        <p:blipFill>
+          <a:blip r:embed="rId4">
+            <a:extLst>
+              <a:ext uri="{28A0092B-C50C-407E-A947-70E740481C1C}">
+                <a14:useLocalDpi xmlns:a14="http://schemas.microsoft.com/office/drawing/2010/main" val="0"/>
+              </a:ext>
+            </a:extLst>
+          </a:blip>
+          <a:srcRect/>
+          <a:stretch>
+            <a:fillRect/>
+          </a:stretch>
+        </p:blipFill>
+        <p:spPr bwMode="auto">
+          <a:xfrm>
+            <a:off x="3429000" y="2946759"/>
+            <a:ext cx="2139229" cy="1099564"/>
+          </a:xfrm>
+          <a:prstGeom prst="rect">
+            <a:avLst/>
+          </a:prstGeom>
+          <a:noFill/>
+          <a:extLst>
+            <a:ext uri="{909E8E84-426E-40DD-AFC4-6F175D3DCCD1}">
+              <a14:hiddenFill xmlns:a14="http://schemas.microsoft.com/office/drawing/2010/main">
+                <a:solidFill>
+                  <a:srgbClr val="FFFFFF"/>
+                </a:solidFill>
+              </a14:hiddenFill>
+            </a:ext>
+          </a:extLst>
+        </p:spPr>
+      </p:pic>
+    </p:spTree>
+    <p:extLst>
+      <p:ext uri="{BB962C8B-B14F-4D97-AF65-F5344CB8AC3E}">
+        <p14:creationId xmlns:p14="http://schemas.microsoft.com/office/powerpoint/2010/main" val="359591555"/>
+      </p:ext>
+    </p:extLst>
+  </p:cSld>
+  <p:clrMapOvr>
+    <a:masterClrMapping/>
+  </p:clrMapOvr>
+  <p:timing>
+    <p:tnLst>
+      <p:par>
+        <p:cTn id="1" dur="indefinite" restart="never" nodeType="tmRoot"/>
+      </p:par>
+    </p:tnLst>
+  </p:timing>
+</p:sld>
+</file>
+
+<file path=ppt/slides/slide7.xml><?xml version="1.0" encoding="utf-8"?>
+<p:sld xmlns:a="http://schemas.openxmlformats.org/drawingml/2006/main" xmlns:r="http://schemas.openxmlformats.org/officeDocument/2006/relationships" xmlns:p="http://schemas.openxmlformats.org/presentationml/2006/main">
+  <p:cSld>
+    <p:spTree>
+      <p:nvGrpSpPr>
+        <p:cNvPr id="1" name=""/>
+        <p:cNvGrpSpPr/>
+        <p:nvPr/>
+      </p:nvGrpSpPr>
+      <p:grpSpPr>
+        <a:xfrm>
+          <a:off x="0" y="0"/>
+          <a:ext cx="0" cy="0"/>
+          <a:chOff x="0" y="0"/>
+          <a:chExt cx="0" cy="0"/>
+        </a:xfrm>
+      </p:grpSpPr>
+      <p:sp>
+        <p:nvSpPr>
+          <p:cNvPr id="4" name="Title 3">
+            <a:extLst>
+              <a:ext uri="{FF2B5EF4-FFF2-40B4-BE49-F238E27FC236}">
+                <a16:creationId xmlns:a16="http://schemas.microsoft.com/office/drawing/2014/main" id="{C0FD9731-439C-4808-81DB-ADBCCAB3B2D8}"/>
+              </a:ext>
+            </a:extLst>
+          </p:cNvPr>
+          <p:cNvSpPr>
+            <a:spLocks noGrp="1"/>
+          </p:cNvSpPr>
+          <p:nvPr>
+            <p:ph type="title"/>
+          </p:nvPr>
+        </p:nvSpPr>
+        <p:spPr/>
+        <p:txBody>
+          <a:bodyPr/>
+          <a:lstStyle/>
+          <a:p>
+            <a:r>
+              <a:rPr lang="en-US" dirty="0"/>
+              <a:t>The Simon Game</a:t>
+            </a:r>
+          </a:p>
+        </p:txBody>
+      </p:sp>
+      <p:cxnSp>
+        <p:nvCxnSpPr>
+          <p:cNvPr id="6" name="Straight Connector 5">
+            <a:extLst>
+              <a:ext uri="{FF2B5EF4-FFF2-40B4-BE49-F238E27FC236}">
+                <a16:creationId xmlns:a16="http://schemas.microsoft.com/office/drawing/2014/main" id="{CBA010C4-6B69-4329-B6FB-AA995CE5B78F}"/>
+              </a:ext>
+            </a:extLst>
+          </p:cNvPr>
+          <p:cNvCxnSpPr>
+            <a:cxnSpLocks/>
+          </p:cNvCxnSpPr>
+          <p:nvPr/>
+        </p:nvCxnSpPr>
+        <p:spPr>
+          <a:xfrm>
+            <a:off x="2854036" y="2284269"/>
+            <a:ext cx="0" cy="2424545"/>
+          </a:xfrm>
+          <a:prstGeom prst="line">
+            <a:avLst/>
+          </a:prstGeom>
+          <a:ln w="57150">
+            <a:prstDash val="sysDot"/>
+          </a:ln>
+        </p:spPr>
+        <p:style>
+          <a:lnRef idx="1">
+            <a:schemeClr val="accent1"/>
+          </a:lnRef>
+          <a:fillRef idx="0">
+            <a:schemeClr val="accent1"/>
+          </a:fillRef>
+          <a:effectRef idx="0">
+            <a:schemeClr val="accent1"/>
+          </a:effectRef>
+          <a:fontRef idx="minor">
+            <a:schemeClr val="tx1"/>
+          </a:fontRef>
+        </p:style>
+      </p:cxnSp>
+      <p:cxnSp>
+        <p:nvCxnSpPr>
+          <p:cNvPr id="9" name="Straight Connector 8">
+            <a:extLst>
+              <a:ext uri="{FF2B5EF4-FFF2-40B4-BE49-F238E27FC236}">
+                <a16:creationId xmlns:a16="http://schemas.microsoft.com/office/drawing/2014/main" id="{3A8A674D-3B1F-4F98-87F0-8435CBEF2ED6}"/>
+              </a:ext>
+            </a:extLst>
+          </p:cNvPr>
+          <p:cNvCxnSpPr>
+            <a:cxnSpLocks/>
+          </p:cNvCxnSpPr>
+          <p:nvPr/>
+        </p:nvCxnSpPr>
+        <p:spPr>
+          <a:xfrm>
+            <a:off x="5863936" y="2284269"/>
+            <a:ext cx="0" cy="2424545"/>
+          </a:xfrm>
+          <a:prstGeom prst="line">
+            <a:avLst/>
+          </a:prstGeom>
+          <a:ln w="57150">
+            <a:prstDash val="sysDot"/>
+          </a:ln>
+        </p:spPr>
+        <p:style>
+          <a:lnRef idx="1">
+            <a:schemeClr val="accent1"/>
+          </a:lnRef>
+          <a:fillRef idx="0">
+            <a:schemeClr val="accent1"/>
+          </a:fillRef>
+          <a:effectRef idx="0">
+            <a:schemeClr val="accent1"/>
+          </a:effectRef>
+          <a:fontRef idx="minor">
+            <a:schemeClr val="tx1"/>
+          </a:fontRef>
+        </p:style>
+      </p:cxnSp>
+      <p:sp>
+        <p:nvSpPr>
+          <p:cNvPr id="10" name="TextBox 9">
+            <a:extLst>
+              <a:ext uri="{FF2B5EF4-FFF2-40B4-BE49-F238E27FC236}">
+                <a16:creationId xmlns:a16="http://schemas.microsoft.com/office/drawing/2014/main" id="{B660A6D6-58DA-43AB-9411-D5B4CE33A6BC}"/>
+              </a:ext>
+            </a:extLst>
+          </p:cNvPr>
+          <p:cNvSpPr txBox="1"/>
+          <p:nvPr/>
+        </p:nvSpPr>
+        <p:spPr>
+          <a:xfrm>
+            <a:off x="1052946" y="2284268"/>
+            <a:ext cx="1132041" cy="300082"/>
+          </a:xfrm>
+          <a:prstGeom prst="rect">
+            <a:avLst/>
+          </a:prstGeom>
+          <a:noFill/>
+        </p:spPr>
+        <p:txBody>
+          <a:bodyPr wrap="none" rtlCol="0">
+            <a:spAutoFit/>
+          </a:bodyPr>
+          <a:lstStyle/>
+          <a:p>
+            <a:r>
+              <a:rPr lang="en-US" sz="1350" dirty="0">
+                <a:solidFill>
+                  <a:srgbClr val="0070C0"/>
+                </a:solidFill>
+              </a:rPr>
+              <a:t>Input Objects</a:t>
+            </a:r>
+          </a:p>
+        </p:txBody>
+      </p:sp>
+      <p:sp>
+        <p:nvSpPr>
+          <p:cNvPr id="11" name="TextBox 10">
+            <a:extLst>
+              <a:ext uri="{FF2B5EF4-FFF2-40B4-BE49-F238E27FC236}">
+                <a16:creationId xmlns:a16="http://schemas.microsoft.com/office/drawing/2014/main" id="{43F727B1-9861-4A2D-863C-B9D822F89D7B}"/>
+              </a:ext>
+            </a:extLst>
+          </p:cNvPr>
+          <p:cNvSpPr txBox="1"/>
+          <p:nvPr/>
+        </p:nvSpPr>
+        <p:spPr>
+          <a:xfrm>
+            <a:off x="3668364" y="2284268"/>
+            <a:ext cx="1427378" cy="300082"/>
+          </a:xfrm>
+          <a:prstGeom prst="rect">
+            <a:avLst/>
+          </a:prstGeom>
+          <a:noFill/>
+        </p:spPr>
+        <p:txBody>
+          <a:bodyPr wrap="none" rtlCol="0">
+            <a:spAutoFit/>
+          </a:bodyPr>
+          <a:lstStyle/>
+          <a:p>
+            <a:r>
+              <a:rPr lang="en-US" sz="1350" dirty="0">
+                <a:solidFill>
+                  <a:srgbClr val="0070C0"/>
+                </a:solidFill>
+              </a:rPr>
+              <a:t>Processes &amp; Logic</a:t>
+            </a:r>
+          </a:p>
+        </p:txBody>
+      </p:sp>
+      <p:sp>
+        <p:nvSpPr>
+          <p:cNvPr id="12" name="TextBox 11">
+            <a:extLst>
+              <a:ext uri="{FF2B5EF4-FFF2-40B4-BE49-F238E27FC236}">
+                <a16:creationId xmlns:a16="http://schemas.microsoft.com/office/drawing/2014/main" id="{70C575F0-6BF8-4397-A222-775943AA3400}"/>
+              </a:ext>
+            </a:extLst>
+          </p:cNvPr>
+          <p:cNvSpPr txBox="1"/>
+          <p:nvPr/>
+        </p:nvSpPr>
+        <p:spPr>
+          <a:xfrm>
+            <a:off x="6699510" y="2332342"/>
+            <a:ext cx="1261884" cy="300082"/>
+          </a:xfrm>
+          <a:prstGeom prst="rect">
+            <a:avLst/>
+          </a:prstGeom>
+          <a:noFill/>
+        </p:spPr>
+        <p:txBody>
+          <a:bodyPr wrap="none" rtlCol="0">
+            <a:spAutoFit/>
+          </a:bodyPr>
+          <a:lstStyle/>
+          <a:p>
+            <a:r>
+              <a:rPr lang="en-US" sz="1350" dirty="0">
+                <a:solidFill>
+                  <a:srgbClr val="0070C0"/>
+                </a:solidFill>
+              </a:rPr>
+              <a:t>Output Objects</a:t>
+            </a:r>
+          </a:p>
+        </p:txBody>
+      </p:sp>
+      <p:sp>
+        <p:nvSpPr>
+          <p:cNvPr id="13" name="TextBox 12">
+            <a:extLst>
+              <a:ext uri="{FF2B5EF4-FFF2-40B4-BE49-F238E27FC236}">
+                <a16:creationId xmlns:a16="http://schemas.microsoft.com/office/drawing/2014/main" id="{C8E4F705-FC97-4FD2-AB6A-C57AD6AFC181}"/>
+              </a:ext>
+            </a:extLst>
+          </p:cNvPr>
+          <p:cNvSpPr txBox="1"/>
+          <p:nvPr/>
+        </p:nvSpPr>
+        <p:spPr>
+          <a:xfrm>
+            <a:off x="2507157" y="5041323"/>
+            <a:ext cx="4042197" cy="553998"/>
+          </a:xfrm>
+          <a:prstGeom prst="rect">
+            <a:avLst/>
+          </a:prstGeom>
+          <a:noFill/>
+        </p:spPr>
+        <p:txBody>
+          <a:bodyPr wrap="none" rtlCol="0">
+            <a:spAutoFit/>
+          </a:bodyPr>
+          <a:lstStyle/>
+          <a:p>
+            <a:r>
+              <a:rPr lang="en-US" sz="1500" dirty="0">
+                <a:solidFill>
+                  <a:srgbClr val="FF0000"/>
+                </a:solidFill>
+              </a:rPr>
+              <a:t>What happens when you press the green button?</a:t>
+            </a:r>
+          </a:p>
+          <a:p>
+            <a:pPr marL="557213" lvl="1" indent="-214313">
+              <a:buFont typeface="Arial" panose="020B0604020202020204" pitchFamily="34" charset="0"/>
+              <a:buChar char="•"/>
+            </a:pPr>
+            <a:r>
+              <a:rPr lang="en-US" sz="1500" dirty="0">
+                <a:solidFill>
+                  <a:srgbClr val="FF0000"/>
+                </a:solidFill>
+              </a:rPr>
+              <a:t>What different things could happen?</a:t>
+            </a:r>
+          </a:p>
+        </p:txBody>
+      </p:sp>
+      <p:pic>
+        <p:nvPicPr>
+          <p:cNvPr id="2050" name="Picture 2" descr="Image result for Simon Game Buttons">
+            <a:extLst>
+              <a:ext uri="{FF2B5EF4-FFF2-40B4-BE49-F238E27FC236}">
+                <a16:creationId xmlns:a16="http://schemas.microsoft.com/office/drawing/2014/main" id="{9D2BDE95-F49D-4AF7-B908-C1B4FC3A7C2F}"/>
+              </a:ext>
+            </a:extLst>
+          </p:cNvPr>
+          <p:cNvPicPr>
+            <a:picLocks noChangeAspect="1" noChangeArrowheads="1"/>
+          </p:cNvPicPr>
+          <p:nvPr/>
+        </p:nvPicPr>
+        <p:blipFill>
+          <a:blip r:embed="rId2">
+            <a:extLst>
+              <a:ext uri="{28A0092B-C50C-407E-A947-70E740481C1C}">
+                <a14:useLocalDpi xmlns:a14="http://schemas.microsoft.com/office/drawing/2010/main" val="0"/>
+              </a:ext>
+            </a:extLst>
+          </a:blip>
+          <a:srcRect/>
+          <a:stretch>
+            <a:fillRect/>
+          </a:stretch>
+        </p:blipFill>
+        <p:spPr bwMode="auto">
+          <a:xfrm>
+            <a:off x="821638" y="2900796"/>
+            <a:ext cx="1547288" cy="1547288"/>
+          </a:xfrm>
+          <a:prstGeom prst="rect">
+            <a:avLst/>
+          </a:prstGeom>
+          <a:noFill/>
+          <a:extLst>
+            <a:ext uri="{909E8E84-426E-40DD-AFC4-6F175D3DCCD1}">
+              <a14:hiddenFill xmlns:a14="http://schemas.microsoft.com/office/drawing/2010/main">
+                <a:solidFill>
+                  <a:srgbClr val="FFFFFF"/>
+                </a:solidFill>
+              </a14:hiddenFill>
+            </a:ext>
+          </a:extLst>
+        </p:spPr>
+      </p:pic>
+      <p:pic>
+        <p:nvPicPr>
+          <p:cNvPr id="2054" name="Picture 6" descr="Image result for Simon Game lights">
+            <a:extLst>
+              <a:ext uri="{FF2B5EF4-FFF2-40B4-BE49-F238E27FC236}">
+                <a16:creationId xmlns:a16="http://schemas.microsoft.com/office/drawing/2014/main" id="{412E9F35-7362-4CBF-A05B-4091A8D6AD04}"/>
+              </a:ext>
+            </a:extLst>
+          </p:cNvPr>
+          <p:cNvPicPr>
+            <a:picLocks noChangeAspect="1" noChangeArrowheads="1"/>
+          </p:cNvPicPr>
+          <p:nvPr/>
+        </p:nvPicPr>
+        <p:blipFill>
+          <a:blip r:embed="rId3">
+            <a:extLst>
+              <a:ext uri="{28A0092B-C50C-407E-A947-70E740481C1C}">
+                <a14:useLocalDpi xmlns:a14="http://schemas.microsoft.com/office/drawing/2010/main" val="0"/>
+              </a:ext>
+            </a:extLst>
+          </a:blip>
+          <a:srcRect/>
+          <a:stretch>
+            <a:fillRect/>
+          </a:stretch>
+        </p:blipFill>
+        <p:spPr bwMode="auto">
+          <a:xfrm>
+            <a:off x="6305983" y="2872492"/>
+            <a:ext cx="2143125" cy="1421606"/>
+          </a:xfrm>
+          <a:prstGeom prst="rect">
+            <a:avLst/>
+          </a:prstGeom>
+          <a:noFill/>
+          <a:extLst>
+            <a:ext uri="{909E8E84-426E-40DD-AFC4-6F175D3DCCD1}">
+              <a14:hiddenFill xmlns:a14="http://schemas.microsoft.com/office/drawing/2010/main">
+                <a:solidFill>
+                  <a:srgbClr val="FFFFFF"/>
+                </a:solidFill>
+              </a14:hiddenFill>
+            </a:ext>
+          </a:extLst>
+        </p:spPr>
+      </p:pic>
+      <p:pic>
+        <p:nvPicPr>
+          <p:cNvPr id="3" name="Picture 2">
+            <a:extLst>
+              <a:ext uri="{FF2B5EF4-FFF2-40B4-BE49-F238E27FC236}">
+                <a16:creationId xmlns:a16="http://schemas.microsoft.com/office/drawing/2014/main" id="{5A813059-8CE2-473A-BC88-91B85B133A2E}"/>
+              </a:ext>
+            </a:extLst>
+          </p:cNvPr>
+          <p:cNvPicPr>
+            <a:picLocks noChangeAspect="1"/>
+          </p:cNvPicPr>
+          <p:nvPr/>
+        </p:nvPicPr>
+        <p:blipFill>
+          <a:blip r:embed="rId4"/>
+          <a:stretch>
+            <a:fillRect/>
+          </a:stretch>
+        </p:blipFill>
+        <p:spPr>
+          <a:xfrm>
+            <a:off x="3183254" y="2768248"/>
+            <a:ext cx="1116255" cy="906191"/>
+          </a:xfrm>
+          <a:prstGeom prst="rect">
+            <a:avLst/>
+          </a:prstGeom>
+        </p:spPr>
+      </p:pic>
+      <p:pic>
+        <p:nvPicPr>
+          <p:cNvPr id="5" name="Picture 4">
+            <a:extLst>
+              <a:ext uri="{FF2B5EF4-FFF2-40B4-BE49-F238E27FC236}">
+                <a16:creationId xmlns:a16="http://schemas.microsoft.com/office/drawing/2014/main" id="{BF0D95C8-1388-4C77-8F1B-0DA580BC5672}"/>
+              </a:ext>
+            </a:extLst>
+          </p:cNvPr>
+          <p:cNvPicPr>
+            <a:picLocks noChangeAspect="1"/>
+          </p:cNvPicPr>
+          <p:nvPr/>
+        </p:nvPicPr>
+        <p:blipFill>
+          <a:blip r:embed="rId5"/>
+          <a:stretch>
+            <a:fillRect/>
+          </a:stretch>
+        </p:blipFill>
+        <p:spPr>
+          <a:xfrm>
+            <a:off x="4339763" y="3784457"/>
+            <a:ext cx="1377199" cy="924357"/>
+          </a:xfrm>
+          <a:prstGeom prst="rect">
+            <a:avLst/>
+          </a:prstGeom>
+        </p:spPr>
+      </p:pic>
+      <p:sp>
+        <p:nvSpPr>
+          <p:cNvPr id="7" name="TextBox 6">
+            <a:extLst>
+              <a:ext uri="{FF2B5EF4-FFF2-40B4-BE49-F238E27FC236}">
+                <a16:creationId xmlns:a16="http://schemas.microsoft.com/office/drawing/2014/main" id="{C8D6C131-341F-448E-89D6-69AD9B04A9F7}"/>
+              </a:ext>
+            </a:extLst>
+          </p:cNvPr>
+          <p:cNvSpPr txBox="1"/>
+          <p:nvPr/>
+        </p:nvSpPr>
+        <p:spPr>
+          <a:xfrm>
+            <a:off x="4358986" y="3040871"/>
+            <a:ext cx="795924" cy="276999"/>
+          </a:xfrm>
+          <a:prstGeom prst="rect">
+            <a:avLst/>
+          </a:prstGeom>
+          <a:noFill/>
+        </p:spPr>
+        <p:txBody>
+          <a:bodyPr wrap="none" rtlCol="0">
+            <a:spAutoFit/>
+          </a:bodyPr>
+          <a:lstStyle/>
+          <a:p>
+            <a:r>
+              <a:rPr lang="en-US" sz="1200" dirty="0"/>
+              <a:t>Hardware</a:t>
+            </a:r>
+          </a:p>
+        </p:txBody>
+      </p:sp>
+      <p:sp>
+        <p:nvSpPr>
+          <p:cNvPr id="15" name="TextBox 14">
+            <a:extLst>
+              <a:ext uri="{FF2B5EF4-FFF2-40B4-BE49-F238E27FC236}">
+                <a16:creationId xmlns:a16="http://schemas.microsoft.com/office/drawing/2014/main" id="{1227EA92-FFD6-4D64-A073-0D75B5A4BA16}"/>
+              </a:ext>
+            </a:extLst>
+          </p:cNvPr>
+          <p:cNvSpPr txBox="1"/>
+          <p:nvPr/>
+        </p:nvSpPr>
+        <p:spPr>
+          <a:xfrm>
+            <a:off x="3557456" y="4119678"/>
+            <a:ext cx="745140" cy="276999"/>
+          </a:xfrm>
+          <a:prstGeom prst="rect">
+            <a:avLst/>
+          </a:prstGeom>
+          <a:noFill/>
+        </p:spPr>
+        <p:txBody>
+          <a:bodyPr wrap="none" rtlCol="0">
+            <a:spAutoFit/>
+          </a:bodyPr>
+          <a:lstStyle/>
+          <a:p>
+            <a:r>
+              <a:rPr lang="en-US" sz="1200" dirty="0"/>
+              <a:t>Software</a:t>
+            </a:r>
+          </a:p>
+        </p:txBody>
+      </p:sp>
+    </p:spTree>
+    <p:extLst>
+      <p:ext uri="{BB962C8B-B14F-4D97-AF65-F5344CB8AC3E}">
+        <p14:creationId xmlns:p14="http://schemas.microsoft.com/office/powerpoint/2010/main" val="1104055883"/>
+      </p:ext>
+    </p:extLst>
+  </p:cSld>
+  <p:clrMapOvr>
+    <a:masterClrMapping/>
+  </p:clrMapOvr>
+  <p:timing>
+    <p:tnLst>
+      <p:par>
+        <p:cTn id="1" dur="indefinite" restart="never" nodeType="tmRoot"/>
+      </p:par>
+    </p:tnLst>
+  </p:timing>
+</p:sld>
+</file>
+
+<file path=ppt/slides/slide8.xml><?xml version="1.0" encoding="utf-8"?>
+<p:sld xmlns:a="http://schemas.openxmlformats.org/drawingml/2006/main" xmlns:r="http://schemas.openxmlformats.org/officeDocument/2006/relationships" xmlns:p="http://schemas.openxmlformats.org/presentationml/2006/main">
+  <p:cSld>
+    <p:spTree>
+      <p:nvGrpSpPr>
+        <p:cNvPr id="1" name=""/>
+        <p:cNvGrpSpPr/>
+        <p:nvPr/>
+      </p:nvGrpSpPr>
+      <p:grpSpPr>
+        <a:xfrm>
+          <a:off x="0" y="0"/>
+          <a:ext cx="0" cy="0"/>
+          <a:chOff x="0" y="0"/>
+          <a:chExt cx="0" cy="0"/>
+        </a:xfrm>
+      </p:grpSpPr>
+      <p:sp>
+        <p:nvSpPr>
+          <p:cNvPr id="4" name="Title 3">
+            <a:extLst>
+              <a:ext uri="{FF2B5EF4-FFF2-40B4-BE49-F238E27FC236}">
+                <a16:creationId xmlns:a16="http://schemas.microsoft.com/office/drawing/2014/main" id="{C0FD9731-439C-4808-81DB-ADBCCAB3B2D8}"/>
+              </a:ext>
+            </a:extLst>
+          </p:cNvPr>
+          <p:cNvSpPr>
+            <a:spLocks noGrp="1"/>
+          </p:cNvSpPr>
+          <p:nvPr>
+            <p:ph type="title"/>
+          </p:nvPr>
+        </p:nvSpPr>
+        <p:spPr/>
+        <p:txBody>
+          <a:bodyPr/>
+          <a:lstStyle/>
+          <a:p>
+            <a:r>
+              <a:rPr lang="en-US" dirty="0" smtClean="0"/>
+              <a:t>Light Switch – The Future Is Now</a:t>
+            </a:r>
+            <a:endParaRPr lang="en-US" dirty="0"/>
+          </a:p>
+        </p:txBody>
+      </p:sp>
+      <p:cxnSp>
+        <p:nvCxnSpPr>
+          <p:cNvPr id="6" name="Straight Connector 5">
+            <a:extLst>
+              <a:ext uri="{FF2B5EF4-FFF2-40B4-BE49-F238E27FC236}">
+                <a16:creationId xmlns:a16="http://schemas.microsoft.com/office/drawing/2014/main" id="{CBA010C4-6B69-4329-B6FB-AA995CE5B78F}"/>
+              </a:ext>
+            </a:extLst>
+          </p:cNvPr>
+          <p:cNvCxnSpPr>
+            <a:cxnSpLocks/>
+          </p:cNvCxnSpPr>
+          <p:nvPr/>
+        </p:nvCxnSpPr>
+        <p:spPr>
+          <a:xfrm>
+            <a:off x="2492262" y="2284269"/>
+            <a:ext cx="0" cy="2424545"/>
+          </a:xfrm>
+          <a:prstGeom prst="line">
+            <a:avLst/>
+          </a:prstGeom>
+          <a:ln w="57150">
+            <a:prstDash val="sysDot"/>
+          </a:ln>
+        </p:spPr>
+        <p:style>
+          <a:lnRef idx="1">
+            <a:schemeClr val="accent1"/>
+          </a:lnRef>
+          <a:fillRef idx="0">
+            <a:schemeClr val="accent1"/>
+          </a:fillRef>
+          <a:effectRef idx="0">
+            <a:schemeClr val="accent1"/>
+          </a:effectRef>
+          <a:fontRef idx="minor">
+            <a:schemeClr val="tx1"/>
+          </a:fontRef>
+        </p:style>
+      </p:cxnSp>
+      <p:cxnSp>
+        <p:nvCxnSpPr>
+          <p:cNvPr id="9" name="Straight Connector 8">
+            <a:extLst>
+              <a:ext uri="{FF2B5EF4-FFF2-40B4-BE49-F238E27FC236}">
+                <a16:creationId xmlns:a16="http://schemas.microsoft.com/office/drawing/2014/main" id="{3A8A674D-3B1F-4F98-87F0-8435CBEF2ED6}"/>
+              </a:ext>
+            </a:extLst>
+          </p:cNvPr>
+          <p:cNvCxnSpPr>
+            <a:cxnSpLocks/>
+          </p:cNvCxnSpPr>
+          <p:nvPr/>
+        </p:nvCxnSpPr>
+        <p:spPr>
+          <a:xfrm>
+            <a:off x="6504016" y="2284269"/>
+            <a:ext cx="0" cy="2424545"/>
+          </a:xfrm>
+          <a:prstGeom prst="line">
+            <a:avLst/>
+          </a:prstGeom>
+          <a:ln w="57150">
+            <a:prstDash val="sysDot"/>
+          </a:ln>
+        </p:spPr>
+        <p:style>
+          <a:lnRef idx="1">
+            <a:schemeClr val="accent1"/>
+          </a:lnRef>
+          <a:fillRef idx="0">
+            <a:schemeClr val="accent1"/>
+          </a:fillRef>
+          <a:effectRef idx="0">
+            <a:schemeClr val="accent1"/>
+          </a:effectRef>
+          <a:fontRef idx="minor">
+            <a:schemeClr val="tx1"/>
+          </a:fontRef>
+        </p:style>
+      </p:cxnSp>
+      <p:sp>
+        <p:nvSpPr>
+          <p:cNvPr id="10" name="TextBox 9">
+            <a:extLst>
+              <a:ext uri="{FF2B5EF4-FFF2-40B4-BE49-F238E27FC236}">
+                <a16:creationId xmlns:a16="http://schemas.microsoft.com/office/drawing/2014/main" id="{B660A6D6-58DA-43AB-9411-D5B4CE33A6BC}"/>
+              </a:ext>
+            </a:extLst>
+          </p:cNvPr>
+          <p:cNvSpPr txBox="1"/>
+          <p:nvPr/>
+        </p:nvSpPr>
+        <p:spPr>
+          <a:xfrm>
+            <a:off x="1052946" y="2284268"/>
+            <a:ext cx="1132041" cy="300082"/>
+          </a:xfrm>
+          <a:prstGeom prst="rect">
+            <a:avLst/>
+          </a:prstGeom>
+          <a:noFill/>
+        </p:spPr>
+        <p:txBody>
+          <a:bodyPr wrap="none" rtlCol="0">
+            <a:spAutoFit/>
+          </a:bodyPr>
+          <a:lstStyle/>
+          <a:p>
+            <a:r>
+              <a:rPr lang="en-US" sz="1350" dirty="0">
+                <a:solidFill>
+                  <a:srgbClr val="0070C0"/>
+                </a:solidFill>
+              </a:rPr>
+              <a:t>Input Objects</a:t>
+            </a:r>
+          </a:p>
+        </p:txBody>
+      </p:sp>
+      <p:sp>
+        <p:nvSpPr>
+          <p:cNvPr id="11" name="TextBox 10">
+            <a:extLst>
+              <a:ext uri="{FF2B5EF4-FFF2-40B4-BE49-F238E27FC236}">
+                <a16:creationId xmlns:a16="http://schemas.microsoft.com/office/drawing/2014/main" id="{43F727B1-9861-4A2D-863C-B9D822F89D7B}"/>
+              </a:ext>
+            </a:extLst>
+          </p:cNvPr>
+          <p:cNvSpPr txBox="1"/>
+          <p:nvPr/>
+        </p:nvSpPr>
+        <p:spPr>
+          <a:xfrm>
+            <a:off x="3668364" y="2284268"/>
+            <a:ext cx="1677062" cy="300082"/>
+          </a:xfrm>
+          <a:prstGeom prst="rect">
+            <a:avLst/>
+          </a:prstGeom>
+          <a:noFill/>
+        </p:spPr>
+        <p:txBody>
+          <a:bodyPr wrap="none" rtlCol="0">
+            <a:spAutoFit/>
+          </a:bodyPr>
+          <a:lstStyle/>
+          <a:p>
+            <a:r>
+              <a:rPr lang="en-US" sz="1350" dirty="0" err="1">
+                <a:solidFill>
+                  <a:srgbClr val="0070C0"/>
+                </a:solidFill>
+              </a:rPr>
+              <a:t>Eg</a:t>
+            </a:r>
+            <a:r>
+              <a:rPr lang="en-US" sz="1350" dirty="0">
+                <a:solidFill>
+                  <a:srgbClr val="0070C0"/>
+                </a:solidFill>
+              </a:rPr>
+              <a:t>. BELL Smart Home</a:t>
+            </a:r>
+          </a:p>
+        </p:txBody>
+      </p:sp>
+      <p:sp>
+        <p:nvSpPr>
+          <p:cNvPr id="12" name="TextBox 11">
+            <a:extLst>
+              <a:ext uri="{FF2B5EF4-FFF2-40B4-BE49-F238E27FC236}">
+                <a16:creationId xmlns:a16="http://schemas.microsoft.com/office/drawing/2014/main" id="{70C575F0-6BF8-4397-A222-775943AA3400}"/>
+              </a:ext>
+            </a:extLst>
+          </p:cNvPr>
+          <p:cNvSpPr txBox="1"/>
+          <p:nvPr/>
+        </p:nvSpPr>
+        <p:spPr>
+          <a:xfrm>
+            <a:off x="6699510" y="2332342"/>
+            <a:ext cx="1261884" cy="300082"/>
+          </a:xfrm>
+          <a:prstGeom prst="rect">
+            <a:avLst/>
+          </a:prstGeom>
+          <a:noFill/>
+        </p:spPr>
+        <p:txBody>
+          <a:bodyPr wrap="none" rtlCol="0">
+            <a:spAutoFit/>
+          </a:bodyPr>
+          <a:lstStyle/>
+          <a:p>
+            <a:r>
+              <a:rPr lang="en-US" sz="1350" dirty="0">
+                <a:solidFill>
+                  <a:srgbClr val="0070C0"/>
+                </a:solidFill>
+              </a:rPr>
+              <a:t>Output Objects</a:t>
+            </a:r>
+          </a:p>
+        </p:txBody>
+      </p:sp>
+      <p:sp>
+        <p:nvSpPr>
+          <p:cNvPr id="13" name="TextBox 12">
+            <a:extLst>
+              <a:ext uri="{FF2B5EF4-FFF2-40B4-BE49-F238E27FC236}">
+                <a16:creationId xmlns:a16="http://schemas.microsoft.com/office/drawing/2014/main" id="{C8E4F705-FC97-4FD2-AB6A-C57AD6AFC181}"/>
+              </a:ext>
+            </a:extLst>
+          </p:cNvPr>
+          <p:cNvSpPr txBox="1"/>
+          <p:nvPr/>
+        </p:nvSpPr>
+        <p:spPr>
+          <a:xfrm>
+            <a:off x="2507157" y="5041323"/>
+            <a:ext cx="4058483" cy="553998"/>
+          </a:xfrm>
+          <a:prstGeom prst="rect">
+            <a:avLst/>
+          </a:prstGeom>
+          <a:noFill/>
+        </p:spPr>
+        <p:txBody>
+          <a:bodyPr wrap="none" rtlCol="0">
+            <a:spAutoFit/>
+          </a:bodyPr>
+          <a:lstStyle/>
+          <a:p>
+            <a:r>
+              <a:rPr lang="en-US" sz="1500" dirty="0">
+                <a:solidFill>
+                  <a:srgbClr val="FF0000"/>
+                </a:solidFill>
+              </a:rPr>
+              <a:t>Even basic household wiring will be connected to </a:t>
+            </a:r>
+            <a:br>
+              <a:rPr lang="en-US" sz="1500" dirty="0">
+                <a:solidFill>
+                  <a:srgbClr val="FF0000"/>
+                </a:solidFill>
+              </a:rPr>
+            </a:br>
+            <a:r>
+              <a:rPr lang="en-US" sz="1500" dirty="0">
+                <a:solidFill>
+                  <a:srgbClr val="FF0000"/>
+                </a:solidFill>
+              </a:rPr>
+              <a:t>a controller / computer</a:t>
+            </a:r>
+          </a:p>
+        </p:txBody>
+      </p:sp>
+      <p:pic>
+        <p:nvPicPr>
+          <p:cNvPr id="1032" name="Picture 8" descr="Image result for lightbulb">
+            <a:extLst>
+              <a:ext uri="{FF2B5EF4-FFF2-40B4-BE49-F238E27FC236}">
+                <a16:creationId xmlns:a16="http://schemas.microsoft.com/office/drawing/2014/main" id="{F0F3048B-09E9-4D6E-85C9-193FCD23B733}"/>
+              </a:ext>
+            </a:extLst>
+          </p:cNvPr>
+          <p:cNvPicPr>
+            <a:picLocks noChangeAspect="1" noChangeArrowheads="1"/>
+          </p:cNvPicPr>
+          <p:nvPr/>
+        </p:nvPicPr>
+        <p:blipFill>
+          <a:blip r:embed="rId2">
+            <a:extLst>
+              <a:ext uri="{28A0092B-C50C-407E-A947-70E740481C1C}">
+                <a14:useLocalDpi xmlns:a14="http://schemas.microsoft.com/office/drawing/2010/main" val="0"/>
+              </a:ext>
+            </a:extLst>
+          </a:blip>
+          <a:srcRect/>
+          <a:stretch>
+            <a:fillRect/>
+          </a:stretch>
+        </p:blipFill>
+        <p:spPr bwMode="auto">
+          <a:xfrm rot="592059">
+            <a:off x="6818017" y="2773258"/>
+            <a:ext cx="1164533" cy="1454219"/>
+          </a:xfrm>
+          <a:prstGeom prst="rect">
+            <a:avLst/>
+          </a:prstGeom>
+          <a:noFill/>
+          <a:extLst>
+            <a:ext uri="{909E8E84-426E-40DD-AFC4-6F175D3DCCD1}">
+              <a14:hiddenFill xmlns:a14="http://schemas.microsoft.com/office/drawing/2010/main">
+                <a:solidFill>
+                  <a:srgbClr val="FFFFFF"/>
+                </a:solidFill>
+              </a14:hiddenFill>
+            </a:ext>
+          </a:extLst>
+        </p:spPr>
+      </p:pic>
+      <p:pic>
+        <p:nvPicPr>
+          <p:cNvPr id="1034" name="Picture 10" descr="Image result for light switch">
+            <a:extLst>
+              <a:ext uri="{FF2B5EF4-FFF2-40B4-BE49-F238E27FC236}">
+                <a16:creationId xmlns:a16="http://schemas.microsoft.com/office/drawing/2014/main" id="{9EF04ED2-BDB0-4A0E-83AA-4101D12311A6}"/>
+              </a:ext>
+            </a:extLst>
+          </p:cNvPr>
+          <p:cNvPicPr>
+            <a:picLocks noChangeAspect="1" noChangeArrowheads="1"/>
+          </p:cNvPicPr>
+          <p:nvPr/>
+        </p:nvPicPr>
+        <p:blipFill>
+          <a:blip r:embed="rId3" cstate="print">
+            <a:extLst>
+              <a:ext uri="{28A0092B-C50C-407E-A947-70E740481C1C}">
+                <a14:useLocalDpi xmlns:a14="http://schemas.microsoft.com/office/drawing/2010/main" val="0"/>
+              </a:ext>
+            </a:extLst>
+          </a:blip>
+          <a:srcRect/>
+          <a:stretch>
+            <a:fillRect/>
+          </a:stretch>
+        </p:blipFill>
+        <p:spPr bwMode="auto">
+          <a:xfrm>
+            <a:off x="814351" y="2561268"/>
+            <a:ext cx="931451" cy="1168130"/>
+          </a:xfrm>
+          <a:prstGeom prst="rect">
+            <a:avLst/>
+          </a:prstGeom>
+          <a:noFill/>
+          <a:extLst>
+            <a:ext uri="{909E8E84-426E-40DD-AFC4-6F175D3DCCD1}">
+              <a14:hiddenFill xmlns:a14="http://schemas.microsoft.com/office/drawing/2010/main">
+                <a:solidFill>
+                  <a:srgbClr val="FFFFFF"/>
+                </a:solidFill>
+              </a14:hiddenFill>
+            </a:ext>
+          </a:extLst>
+        </p:spPr>
+      </p:pic>
+      <p:pic>
+        <p:nvPicPr>
+          <p:cNvPr id="1026" name="Picture 2" descr="https://scontent-yyz1-1.xx.fbcdn.net/v/t1.0-9/15267616_10154942160696844_7820315201048144246_n.jpg?_nc_cat=0&amp;oh=8d315d039793e5829fe7f62cfe5e96aa&amp;oe=5C2E9749"/>
+          <p:cNvPicPr>
+            <a:picLocks noChangeAspect="1" noChangeArrowheads="1"/>
+          </p:cNvPicPr>
+          <p:nvPr/>
+        </p:nvPicPr>
+        <p:blipFill>
+          <a:blip r:embed="rId4" cstate="print">
+            <a:extLst>
+              <a:ext uri="{28A0092B-C50C-407E-A947-70E740481C1C}">
+                <a14:useLocalDpi xmlns:a14="http://schemas.microsoft.com/office/drawing/2010/main" val="0"/>
+              </a:ext>
+            </a:extLst>
+          </a:blip>
+          <a:srcRect/>
+          <a:stretch>
+            <a:fillRect/>
+          </a:stretch>
+        </p:blipFill>
+        <p:spPr bwMode="auto">
+          <a:xfrm>
+            <a:off x="2846907" y="2740186"/>
+            <a:ext cx="2997719" cy="1686218"/>
+          </a:xfrm>
+          <a:prstGeom prst="rect">
+            <a:avLst/>
+          </a:prstGeom>
+          <a:noFill/>
+          <a:extLst>
+            <a:ext uri="{909E8E84-426E-40DD-AFC4-6F175D3DCCD1}">
+              <a14:hiddenFill xmlns:a14="http://schemas.microsoft.com/office/drawing/2010/main">
+                <a:solidFill>
+                  <a:srgbClr val="FFFFFF"/>
+                </a:solidFill>
+              </a14:hiddenFill>
+            </a:ext>
+          </a:extLst>
+        </p:spPr>
+      </p:pic>
+      <p:pic>
+        <p:nvPicPr>
+          <p:cNvPr id="1028" name="Picture 4" descr="Image result for smart phone"/>
+          <p:cNvPicPr>
+            <a:picLocks noChangeAspect="1" noChangeArrowheads="1"/>
+          </p:cNvPicPr>
+          <p:nvPr/>
+        </p:nvPicPr>
+        <p:blipFill>
+          <a:blip r:embed="rId5" cstate="print">
+            <a:extLst>
+              <a:ext uri="{28A0092B-C50C-407E-A947-70E740481C1C}">
+                <a14:useLocalDpi xmlns:a14="http://schemas.microsoft.com/office/drawing/2010/main" val="0"/>
+              </a:ext>
+            </a:extLst>
+          </a:blip>
+          <a:srcRect/>
+          <a:stretch>
+            <a:fillRect/>
+          </a:stretch>
+        </p:blipFill>
+        <p:spPr bwMode="auto">
+          <a:xfrm>
+            <a:off x="709863" y="3847151"/>
+            <a:ext cx="1408064" cy="938709"/>
+          </a:xfrm>
+          <a:prstGeom prst="rect">
+            <a:avLst/>
+          </a:prstGeom>
+          <a:noFill/>
+          <a:extLst>
+            <a:ext uri="{909E8E84-426E-40DD-AFC4-6F175D3DCCD1}">
+              <a14:hiddenFill xmlns:a14="http://schemas.microsoft.com/office/drawing/2010/main">
+                <a:solidFill>
+                  <a:srgbClr val="FFFFFF"/>
+                </a:solidFill>
+              </a14:hiddenFill>
+            </a:ext>
+          </a:extLst>
+        </p:spPr>
+      </p:pic>
+    </p:spTree>
+    <p:extLst>
+      <p:ext uri="{BB962C8B-B14F-4D97-AF65-F5344CB8AC3E}">
+        <p14:creationId xmlns:p14="http://schemas.microsoft.com/office/powerpoint/2010/main" val="1663992126"/>
+      </p:ext>
+    </p:extLst>
+  </p:cSld>
+  <p:clrMapOvr>
+    <a:masterClrMapping/>
+  </p:clrMapOvr>
+  <p:timing>
+    <p:tnLst>
+      <p:par>
+        <p:cTn id="1" dur="indefinite" restart="never" nodeType="tmRoot"/>
+      </p:par>
+    </p:tnLst>
+  </p:timing>
+</p:sld>
+</file>
+
+<file path=ppt/slides/slide9.xml><?xml version="1.0" encoding="utf-8"?>
+<p:sld xmlns:a="http://schemas.openxmlformats.org/drawingml/2006/main" xmlns:r="http://schemas.openxmlformats.org/officeDocument/2006/relationships" xmlns:p="http://schemas.openxmlformats.org/presentationml/2006/main">
+  <p:cSld>
+    <p:spTree>
+      <p:nvGrpSpPr>
+        <p:cNvPr id="1" name=""/>
+        <p:cNvGrpSpPr/>
+        <p:nvPr/>
+      </p:nvGrpSpPr>
+      <p:grpSpPr>
+        <a:xfrm>
+          <a:off x="0" y="0"/>
+          <a:ext cx="0" cy="0"/>
+          <a:chOff x="0" y="0"/>
+          <a:chExt cx="0" cy="0"/>
+        </a:xfrm>
+      </p:grpSpPr>
+      <p:sp>
+        <p:nvSpPr>
+          <p:cNvPr id="2" name="Title 1"/>
+          <p:cNvSpPr>
+            <a:spLocks noGrp="1"/>
+          </p:cNvSpPr>
+          <p:nvPr>
+            <p:ph type="title"/>
+          </p:nvPr>
+        </p:nvSpPr>
+        <p:spPr/>
+        <p:txBody>
+          <a:bodyPr/>
+          <a:lstStyle/>
+          <a:p>
+            <a:r>
+              <a:rPr lang="en-CA" dirty="0" smtClean="0"/>
+              <a:t>Research Question</a:t>
+            </a:r>
+            <a:endParaRPr lang="en-US" dirty="0"/>
+          </a:p>
+        </p:txBody>
+      </p:sp>
+      <p:sp>
+        <p:nvSpPr>
+          <p:cNvPr id="3" name="Content Placeholder 2"/>
+          <p:cNvSpPr>
+            <a:spLocks noGrp="1"/>
+          </p:cNvSpPr>
+          <p:nvPr>
+            <p:ph idx="1"/>
+          </p:nvPr>
+        </p:nvSpPr>
+        <p:spPr/>
+        <p:txBody>
+          <a:bodyPr>
+            <a:normAutofit fontScale="92500" lnSpcReduction="10000"/>
+          </a:bodyPr>
+          <a:lstStyle/>
+          <a:p>
+            <a:r>
+              <a:rPr lang="en-CA" dirty="0" smtClean="0"/>
+              <a:t>Keyword “Emulate”</a:t>
+            </a:r>
+          </a:p>
+          <a:p>
+            <a:pPr lvl="1"/>
+            <a:r>
+              <a:rPr lang="en-CA" dirty="0" smtClean="0"/>
+              <a:t>To duplicate the function of programs designed for one computer so that they can run on another type of computer.</a:t>
+            </a:r>
+          </a:p>
+          <a:p>
+            <a:pPr lvl="1"/>
+            <a:r>
+              <a:rPr lang="en-CA" dirty="0" smtClean="0"/>
+              <a:t>Examples:</a:t>
+            </a:r>
+          </a:p>
+          <a:p>
+            <a:pPr lvl="2"/>
+            <a:r>
+              <a:rPr lang="en-CA" dirty="0" smtClean="0"/>
+              <a:t>Xbox Emulators can run Xbox games on home PCs</a:t>
+            </a:r>
+          </a:p>
+          <a:p>
+            <a:pPr lvl="2"/>
+            <a:r>
+              <a:rPr lang="en-CA" dirty="0" smtClean="0"/>
+              <a:t>Android Emulators can run Android apps on an iPhone</a:t>
+            </a:r>
+            <a:endParaRPr lang="en-CA" dirty="0"/>
+          </a:p>
+          <a:p>
+            <a:endParaRPr lang="en-CA" dirty="0" smtClean="0"/>
+          </a:p>
+          <a:p>
+            <a:r>
+              <a:rPr lang="en-CA" dirty="0" smtClean="0"/>
+              <a:t>Google Options:</a:t>
+            </a:r>
+          </a:p>
+          <a:p>
+            <a:pPr lvl="1"/>
+            <a:r>
+              <a:rPr lang="en-CA" dirty="0" smtClean="0"/>
+              <a:t>“Simon Game Emulations”</a:t>
+            </a:r>
+            <a:endParaRPr lang="en-US" dirty="0"/>
+          </a:p>
+        </p:txBody>
+      </p:sp>
+    </p:spTree>
+    <p:extLst>
+      <p:ext uri="{BB962C8B-B14F-4D97-AF65-F5344CB8AC3E}">
+        <p14:creationId xmlns:p14="http://schemas.microsoft.com/office/powerpoint/2010/main" val="2210369812"/>
+      </p:ext>
+    </p:extLst>
+  </p:cSld>
+  <p:clrMapOvr>
+    <a:masterClrMapping/>
+  </p:clrMapOvr>
+  <p:timing>
+    <p:tnLst>
+      <p:par>
+        <p:cTn id="1" dur="indefinite" restart="never" nodeType="tmRoot"/>
+      </p:par>
+    </p:tnLst>
+  </p:timing>
 </p:sld>
 </file>
 
